--- a/자료정리/매뉴얼/이미지편집.pptx
+++ b/자료정리/매뉴얼/이미지편집.pptx
@@ -107,6 +107,11 @@
       </a:defRPr>
     </a:lvl9pPr>
   </p:defaultTextStyle>
+  <p:extLst>
+    <p:ext uri="{EFAFB233-063F-42B5-8137-9DF3F51BA10A}">
+      <p15:sldGuideLst xmlns:p15="http://schemas.microsoft.com/office/powerpoint/2012/main"/>
+    </p:ext>
+  </p:extLst>
 </p:presentation>
 </file>
 
@@ -3711,7 +3716,7 @@
           <p:nvPr/>
         </p:nvPicPr>
         <p:blipFill>
-          <a:blip r:embed="rId3">
+          <a:blip r:embed="rId2">
             <a:extLst>
               <a:ext uri="{28A0092B-C50C-407E-A947-70E740481C1C}">
                 <a14:useLocalDpi xmlns:a14="http://schemas.microsoft.com/office/drawing/2010/main" val="0"/>
@@ -3747,7 +3752,7 @@
           <p:nvPr>
             <p:extLst>
               <p:ext uri="{D42A27DB-BD31-4B8C-83A1-F6EECF244321}">
-                <p14:modId xmlns:p14="http://schemas.microsoft.com/office/powerpoint/2010/main" val="3872233661"/>
+                <p14:modId xmlns:p14="http://schemas.microsoft.com/office/powerpoint/2010/main" val="2436695938"/>
               </p:ext>
             </p:extLst>
           </p:nvPr>
@@ -6798,8 +6803,8 @@
         </p:nvSpPr>
         <p:spPr>
           <a:xfrm>
-            <a:off x="8329668" y="2401489"/>
-            <a:ext cx="922157" cy="334645"/>
+            <a:off x="8329668" y="2383776"/>
+            <a:ext cx="922157" cy="453299"/>
           </a:xfrm>
           <a:prstGeom prst="rect">
             <a:avLst/>
@@ -7172,8 +7177,8 @@
         </p:nvCxnSpPr>
         <p:spPr>
           <a:xfrm flipV="1">
-            <a:off x="8428141" y="2698470"/>
-            <a:ext cx="61327" cy="1792499"/>
+            <a:off x="8428141" y="2828657"/>
+            <a:ext cx="23677" cy="1662312"/>
           </a:xfrm>
           <a:prstGeom prst="straightConnector1">
             <a:avLst/>

--- a/자료정리/매뉴얼/이미지편집.pptx
+++ b/자료정리/매뉴얼/이미지편집.pptx
@@ -262,7 +262,7 @@
           <a:p>
             <a:fld id="{0661C16D-0D2A-4EAB-A82C-5478C63EE3DC}" type="datetimeFigureOut">
               <a:rPr lang="ko-KR" altLang="en-US" smtClean="0"/>
-              <a:t>2024-03-02</a:t>
+              <a:t>2024-05-09</a:t>
             </a:fld>
             <a:endParaRPr lang="ko-KR" altLang="en-US"/>
           </a:p>
@@ -460,7 +460,7 @@
           <a:p>
             <a:fld id="{0661C16D-0D2A-4EAB-A82C-5478C63EE3DC}" type="datetimeFigureOut">
               <a:rPr lang="ko-KR" altLang="en-US" smtClean="0"/>
-              <a:t>2024-03-02</a:t>
+              <a:t>2024-05-09</a:t>
             </a:fld>
             <a:endParaRPr lang="ko-KR" altLang="en-US"/>
           </a:p>
@@ -668,7 +668,7 @@
           <a:p>
             <a:fld id="{0661C16D-0D2A-4EAB-A82C-5478C63EE3DC}" type="datetimeFigureOut">
               <a:rPr lang="ko-KR" altLang="en-US" smtClean="0"/>
-              <a:t>2024-03-02</a:t>
+              <a:t>2024-05-09</a:t>
             </a:fld>
             <a:endParaRPr lang="ko-KR" altLang="en-US"/>
           </a:p>
@@ -866,7 +866,7 @@
           <a:p>
             <a:fld id="{0661C16D-0D2A-4EAB-A82C-5478C63EE3DC}" type="datetimeFigureOut">
               <a:rPr lang="ko-KR" altLang="en-US" smtClean="0"/>
-              <a:t>2024-03-02</a:t>
+              <a:t>2024-05-09</a:t>
             </a:fld>
             <a:endParaRPr lang="ko-KR" altLang="en-US"/>
           </a:p>
@@ -1141,7 +1141,7 @@
           <a:p>
             <a:fld id="{0661C16D-0D2A-4EAB-A82C-5478C63EE3DC}" type="datetimeFigureOut">
               <a:rPr lang="ko-KR" altLang="en-US" smtClean="0"/>
-              <a:t>2024-03-02</a:t>
+              <a:t>2024-05-09</a:t>
             </a:fld>
             <a:endParaRPr lang="ko-KR" altLang="en-US"/>
           </a:p>
@@ -1406,7 +1406,7 @@
           <a:p>
             <a:fld id="{0661C16D-0D2A-4EAB-A82C-5478C63EE3DC}" type="datetimeFigureOut">
               <a:rPr lang="ko-KR" altLang="en-US" smtClean="0"/>
-              <a:t>2024-03-02</a:t>
+              <a:t>2024-05-09</a:t>
             </a:fld>
             <a:endParaRPr lang="ko-KR" altLang="en-US"/>
           </a:p>
@@ -1818,7 +1818,7 @@
           <a:p>
             <a:fld id="{0661C16D-0D2A-4EAB-A82C-5478C63EE3DC}" type="datetimeFigureOut">
               <a:rPr lang="ko-KR" altLang="en-US" smtClean="0"/>
-              <a:t>2024-03-02</a:t>
+              <a:t>2024-05-09</a:t>
             </a:fld>
             <a:endParaRPr lang="ko-KR" altLang="en-US"/>
           </a:p>
@@ -1959,7 +1959,7 @@
           <a:p>
             <a:fld id="{0661C16D-0D2A-4EAB-A82C-5478C63EE3DC}" type="datetimeFigureOut">
               <a:rPr lang="ko-KR" altLang="en-US" smtClean="0"/>
-              <a:t>2024-03-02</a:t>
+              <a:t>2024-05-09</a:t>
             </a:fld>
             <a:endParaRPr lang="ko-KR" altLang="en-US"/>
           </a:p>
@@ -2072,7 +2072,7 @@
           <a:p>
             <a:fld id="{0661C16D-0D2A-4EAB-A82C-5478C63EE3DC}" type="datetimeFigureOut">
               <a:rPr lang="ko-KR" altLang="en-US" smtClean="0"/>
-              <a:t>2024-03-02</a:t>
+              <a:t>2024-05-09</a:t>
             </a:fld>
             <a:endParaRPr lang="ko-KR" altLang="en-US"/>
           </a:p>
@@ -2383,7 +2383,7 @@
           <a:p>
             <a:fld id="{0661C16D-0D2A-4EAB-A82C-5478C63EE3DC}" type="datetimeFigureOut">
               <a:rPr lang="ko-KR" altLang="en-US" smtClean="0"/>
-              <a:t>2024-03-02</a:t>
+              <a:t>2024-05-09</a:t>
             </a:fld>
             <a:endParaRPr lang="ko-KR" altLang="en-US"/>
           </a:p>
@@ -2671,7 +2671,7 @@
           <a:p>
             <a:fld id="{0661C16D-0D2A-4EAB-A82C-5478C63EE3DC}" type="datetimeFigureOut">
               <a:rPr lang="ko-KR" altLang="en-US" smtClean="0"/>
-              <a:t>2024-03-02</a:t>
+              <a:t>2024-05-09</a:t>
             </a:fld>
             <a:endParaRPr lang="ko-KR" altLang="en-US"/>
           </a:p>
@@ -2912,7 +2912,7 @@
           <a:p>
             <a:fld id="{0661C16D-0D2A-4EAB-A82C-5478C63EE3DC}" type="datetimeFigureOut">
               <a:rPr lang="ko-KR" altLang="en-US" smtClean="0"/>
-              <a:t>2024-03-02</a:t>
+              <a:t>2024-05-09</a:t>
             </a:fld>
             <a:endParaRPr lang="ko-KR" altLang="en-US"/>
           </a:p>
@@ -3331,10 +3331,10 @@
       </p:grpSpPr>
       <p:pic>
         <p:nvPicPr>
-          <p:cNvPr id="11" name="그림 10">
-            <a:extLst>
-              <a:ext uri="{FF2B5EF4-FFF2-40B4-BE49-F238E27FC236}">
-                <a16:creationId xmlns:a16="http://schemas.microsoft.com/office/drawing/2014/main" id="{80D74BBA-FACB-7A1B-0ACD-A517367F71FD}"/>
+          <p:cNvPr id="3" name="그림 2">
+            <a:extLst>
+              <a:ext uri="{FF2B5EF4-FFF2-40B4-BE49-F238E27FC236}">
+                <a16:creationId xmlns:a16="http://schemas.microsoft.com/office/drawing/2014/main" id="{16029EFD-627E-A710-DF7E-A465A43DDA9E}"/>
               </a:ext>
             </a:extLst>
           </p:cNvPr>
@@ -3343,7 +3343,7 @@
           </p:cNvPicPr>
           <p:nvPr/>
         </p:nvPicPr>
-        <p:blipFill>
+        <p:blipFill rotWithShape="1">
           <a:blip r:embed="rId2">
             <a:extLst>
               <a:ext uri="{28A0092B-C50C-407E-A947-70E740481C1C}">
@@ -3351,14 +3351,13 @@
               </a:ext>
             </a:extLst>
           </a:blip>
-          <a:stretch>
-            <a:fillRect/>
-          </a:stretch>
+          <a:srcRect b="27926"/>
+          <a:stretch/>
         </p:blipFill>
         <p:spPr>
           <a:xfrm>
-            <a:off x="2370884" y="3142374"/>
-            <a:ext cx="8331800" cy="3703753"/>
+            <a:off x="1436917" y="1"/>
+            <a:ext cx="8281698" cy="3166136"/>
           </a:xfrm>
           <a:prstGeom prst="rect">
             <a:avLst/>
@@ -3367,10 +3366,10 @@
       </p:pic>
       <p:pic>
         <p:nvPicPr>
-          <p:cNvPr id="13" name="그림 12">
-            <a:extLst>
-              <a:ext uri="{FF2B5EF4-FFF2-40B4-BE49-F238E27FC236}">
-                <a16:creationId xmlns:a16="http://schemas.microsoft.com/office/drawing/2014/main" id="{61E8EE29-CCA8-6732-DB73-3B61A6008FA2}"/>
+          <p:cNvPr id="5" name="그림 4">
+            <a:extLst>
+              <a:ext uri="{FF2B5EF4-FFF2-40B4-BE49-F238E27FC236}">
+                <a16:creationId xmlns:a16="http://schemas.microsoft.com/office/drawing/2014/main" id="{D41DFC4D-B4EF-F6B9-7C58-556EE7DC3CE9}"/>
               </a:ext>
             </a:extLst>
           </p:cNvPr>
@@ -3379,7 +3378,7 @@
           </p:cNvPicPr>
           <p:nvPr/>
         </p:nvPicPr>
-        <p:blipFill>
+        <p:blipFill rotWithShape="1">
           <a:blip r:embed="rId3">
             <a:extLst>
               <a:ext uri="{28A0092B-C50C-407E-A947-70E740481C1C}">
@@ -3387,14 +3386,13 @@
               </a:ext>
             </a:extLst>
           </a:blip>
-          <a:stretch>
-            <a:fillRect/>
-          </a:stretch>
+          <a:srcRect t="17389" b="-1"/>
+          <a:stretch/>
         </p:blipFill>
         <p:spPr>
           <a:xfrm>
-            <a:off x="2370884" y="5939"/>
-            <a:ext cx="8331801" cy="3190903"/>
+            <a:off x="1436915" y="3166137"/>
+            <a:ext cx="8281697" cy="3642397"/>
           </a:xfrm>
           <a:prstGeom prst="rect">
             <a:avLst/>
@@ -3433,10 +3431,10 @@
       </p:grpSpPr>
       <p:pic>
         <p:nvPicPr>
-          <p:cNvPr id="5" name="그림 4">
-            <a:extLst>
-              <a:ext uri="{FF2B5EF4-FFF2-40B4-BE49-F238E27FC236}">
-                <a16:creationId xmlns:a16="http://schemas.microsoft.com/office/drawing/2014/main" id="{88B9DE8C-EDFC-92C0-D326-B3E0C047244F}"/>
+          <p:cNvPr id="3" name="그림 2">
+            <a:extLst>
+              <a:ext uri="{FF2B5EF4-FFF2-40B4-BE49-F238E27FC236}">
+                <a16:creationId xmlns:a16="http://schemas.microsoft.com/office/drawing/2014/main" id="{BFC16C92-E95B-16D5-C871-A1A3D8F8937A}"/>
               </a:ext>
             </a:extLst>
           </p:cNvPr>
@@ -3445,7 +3443,7 @@
           </p:cNvPicPr>
           <p:nvPr/>
         </p:nvPicPr>
-        <p:blipFill>
+        <p:blipFill rotWithShape="1">
           <a:blip r:embed="rId2">
             <a:extLst>
               <a:ext uri="{28A0092B-C50C-407E-A947-70E740481C1C}">
@@ -3453,14 +3451,13 @@
               </a:ext>
             </a:extLst>
           </a:blip>
-          <a:stretch>
-            <a:fillRect/>
-          </a:stretch>
+          <a:srcRect b="45270"/>
+          <a:stretch/>
         </p:blipFill>
         <p:spPr>
           <a:xfrm>
-            <a:off x="1618756" y="2787694"/>
-            <a:ext cx="8954486" cy="3892179"/>
+            <a:off x="1387804" y="59377"/>
+            <a:ext cx="9420745" cy="2748227"/>
           </a:xfrm>
           <a:prstGeom prst="rect">
             <a:avLst/>
@@ -3469,10 +3466,10 @@
       </p:pic>
       <p:pic>
         <p:nvPicPr>
-          <p:cNvPr id="7" name="그림 6">
-            <a:extLst>
-              <a:ext uri="{FF2B5EF4-FFF2-40B4-BE49-F238E27FC236}">
-                <a16:creationId xmlns:a16="http://schemas.microsoft.com/office/drawing/2014/main" id="{DC1D89A0-C5E0-1221-2C7E-3978A08FEC9B}"/>
+          <p:cNvPr id="6" name="그림 5">
+            <a:extLst>
+              <a:ext uri="{FF2B5EF4-FFF2-40B4-BE49-F238E27FC236}">
+                <a16:creationId xmlns:a16="http://schemas.microsoft.com/office/drawing/2014/main" id="{76D4263D-260D-2BCA-F229-0572A90BF3F1}"/>
               </a:ext>
             </a:extLst>
           </p:cNvPr>
@@ -3481,7 +3478,7 @@
           </p:cNvPicPr>
           <p:nvPr/>
         </p:nvPicPr>
-        <p:blipFill>
+        <p:blipFill rotWithShape="1">
           <a:blip r:embed="rId3">
             <a:extLst>
               <a:ext uri="{28A0092B-C50C-407E-A947-70E740481C1C}">
@@ -3489,14 +3486,13 @@
               </a:ext>
             </a:extLst>
           </a:blip>
-          <a:stretch>
-            <a:fillRect/>
-          </a:stretch>
+          <a:srcRect t="19356"/>
+          <a:stretch/>
         </p:blipFill>
         <p:spPr>
           <a:xfrm>
-            <a:off x="1618756" y="225632"/>
-            <a:ext cx="8954487" cy="2588186"/>
+            <a:off x="1387804" y="2807302"/>
+            <a:ext cx="9420745" cy="4038825"/>
           </a:xfrm>
           <a:prstGeom prst="rect">
             <a:avLst/>
@@ -8164,42 +8160,6 @@
           </a:fontRef>
         </p:style>
       </p:cxnSp>
-      <p:pic>
-        <p:nvPicPr>
-          <p:cNvPr id="5" name="그림 4">
-            <a:extLst>
-              <a:ext uri="{FF2B5EF4-FFF2-40B4-BE49-F238E27FC236}">
-                <a16:creationId xmlns:a16="http://schemas.microsoft.com/office/drawing/2014/main" id="{F87CF992-3CBB-6A7A-A838-37A08C5BB0D4}"/>
-              </a:ext>
-            </a:extLst>
-          </p:cNvPr>
-          <p:cNvPicPr>
-            <a:picLocks noChangeAspect="1"/>
-          </p:cNvPicPr>
-          <p:nvPr/>
-        </p:nvPicPr>
-        <p:blipFill>
-          <a:blip r:embed="rId2">
-            <a:extLst>
-              <a:ext uri="{28A0092B-C50C-407E-A947-70E740481C1C}">
-                <a14:useLocalDpi xmlns:a14="http://schemas.microsoft.com/office/drawing/2010/main" val="0"/>
-              </a:ext>
-            </a:extLst>
-          </a:blip>
-          <a:stretch>
-            <a:fillRect/>
-          </a:stretch>
-        </p:blipFill>
-        <p:spPr>
-          <a:xfrm>
-            <a:off x="1200150" y="85642"/>
-            <a:ext cx="9791700" cy="609600"/>
-          </a:xfrm>
-          <a:prstGeom prst="rect">
-            <a:avLst/>
-          </a:prstGeom>
-        </p:spPr>
-      </p:pic>
       <p:graphicFrame>
         <p:nvGraphicFramePr>
           <p:cNvPr id="7" name="표 6">
@@ -8215,7 +8175,7 @@
           <p:nvPr>
             <p:extLst>
               <p:ext uri="{D42A27DB-BD31-4B8C-83A1-F6EECF244321}">
-                <p14:modId xmlns:p14="http://schemas.microsoft.com/office/powerpoint/2010/main" val="2153446347"/>
+                <p14:modId xmlns:p14="http://schemas.microsoft.com/office/powerpoint/2010/main" val="1447406098"/>
               </p:ext>
             </p:extLst>
           </p:nvPr>
@@ -8333,7 +8293,7 @@
                       <a:pPr algn="ctr" latinLnBrk="1"/>
                       <a:r>
                         <a:rPr lang="ko-KR" altLang="en-US" dirty="0"/>
-                        <a:t>마이페이지</a:t>
+                        <a:t>내정보수정</a:t>
                       </a:r>
                     </a:p>
                   </a:txBody>
@@ -9815,6 +9775,42 @@
           </a:p>
         </p:txBody>
       </p:sp>
+      <p:pic>
+        <p:nvPicPr>
+          <p:cNvPr id="3" name="그림 2">
+            <a:extLst>
+              <a:ext uri="{FF2B5EF4-FFF2-40B4-BE49-F238E27FC236}">
+                <a16:creationId xmlns:a16="http://schemas.microsoft.com/office/drawing/2014/main" id="{5269C73E-CAD9-94B1-BA11-9BF4CCCE8989}"/>
+              </a:ext>
+            </a:extLst>
+          </p:cNvPr>
+          <p:cNvPicPr>
+            <a:picLocks noChangeAspect="1"/>
+          </p:cNvPicPr>
+          <p:nvPr/>
+        </p:nvPicPr>
+        <p:blipFill>
+          <a:blip r:embed="rId2">
+            <a:extLst>
+              <a:ext uri="{28A0092B-C50C-407E-A947-70E740481C1C}">
+                <a14:useLocalDpi xmlns:a14="http://schemas.microsoft.com/office/drawing/2010/main" val="0"/>
+              </a:ext>
+            </a:extLst>
+          </a:blip>
+          <a:stretch>
+            <a:fillRect/>
+          </a:stretch>
+        </p:blipFill>
+        <p:spPr>
+          <a:xfrm>
+            <a:off x="1206088" y="130601"/>
+            <a:ext cx="9779000" cy="552450"/>
+          </a:xfrm>
+          <a:prstGeom prst="rect">
+            <a:avLst/>
+          </a:prstGeom>
+        </p:spPr>
+      </p:pic>
     </p:spTree>
     <p:extLst>
       <p:ext uri="{BB962C8B-B14F-4D97-AF65-F5344CB8AC3E}">
